--- a/MySQL实战/21为什么我只改一行的语句，锁这么多？.pptx
+++ b/MySQL实战/21为什么我只改一行的语句，锁这么多？.pptx
@@ -206,7 +206,7 @@
           <a:p>
             <a:fld id="{A900F2CD-AD8F-46FC-AAAB-A0D218D6826F}" type="datetimeFigureOut">
               <a:rPr lang="zh-CN" altLang="en-US" smtClean="0"/>
-              <a:t>2019/5/26</a:t>
+              <a:t>2020/1/19</a:t>
             </a:fld>
             <a:endParaRPr lang="zh-CN" altLang="en-US"/>
           </a:p>
@@ -1416,7 +1416,7 @@
           <a:p>
             <a:fld id="{E396512D-F96B-4538-B91A-F7EB57A489A0}" type="datetimeFigureOut">
               <a:rPr lang="zh-CN" altLang="en-US" smtClean="0"/>
-              <a:t>2019/5/26</a:t>
+              <a:t>2020/1/19</a:t>
             </a:fld>
             <a:endParaRPr lang="zh-CN" altLang="en-US"/>
           </a:p>
@@ -1691,7 +1691,7 @@
           <a:p>
             <a:fld id="{E396512D-F96B-4538-B91A-F7EB57A489A0}" type="datetimeFigureOut">
               <a:rPr lang="zh-CN" altLang="en-US" smtClean="0"/>
-              <a:t>2019/5/26</a:t>
+              <a:t>2020/1/19</a:t>
             </a:fld>
             <a:endParaRPr lang="zh-CN" altLang="en-US"/>
           </a:p>
@@ -1885,7 +1885,7 @@
           <a:p>
             <a:fld id="{E396512D-F96B-4538-B91A-F7EB57A489A0}" type="datetimeFigureOut">
               <a:rPr lang="zh-CN" altLang="en-US" smtClean="0"/>
-              <a:t>2019/5/26</a:t>
+              <a:t>2020/1/19</a:t>
             </a:fld>
             <a:endParaRPr lang="zh-CN" altLang="en-US"/>
           </a:p>
@@ -2158,7 +2158,7 @@
           <a:p>
             <a:fld id="{E396512D-F96B-4538-B91A-F7EB57A489A0}" type="datetimeFigureOut">
               <a:rPr lang="zh-CN" altLang="en-US" smtClean="0"/>
-              <a:t>2019/5/26</a:t>
+              <a:t>2020/1/19</a:t>
             </a:fld>
             <a:endParaRPr lang="zh-CN" altLang="en-US"/>
           </a:p>
@@ -2499,7 +2499,7 @@
           <a:p>
             <a:fld id="{E396512D-F96B-4538-B91A-F7EB57A489A0}" type="datetimeFigureOut">
               <a:rPr lang="zh-CN" altLang="en-US" smtClean="0"/>
-              <a:t>2019/5/26</a:t>
+              <a:t>2020/1/19</a:t>
             </a:fld>
             <a:endParaRPr lang="zh-CN" altLang="en-US"/>
           </a:p>
@@ -3122,7 +3122,7 @@
           <a:p>
             <a:fld id="{E396512D-F96B-4538-B91A-F7EB57A489A0}" type="datetimeFigureOut">
               <a:rPr lang="zh-CN" altLang="en-US" smtClean="0"/>
-              <a:t>2019/5/26</a:t>
+              <a:t>2020/1/19</a:t>
             </a:fld>
             <a:endParaRPr lang="zh-CN" altLang="en-US"/>
           </a:p>
@@ -3982,7 +3982,7 @@
           <a:p>
             <a:fld id="{E396512D-F96B-4538-B91A-F7EB57A489A0}" type="datetimeFigureOut">
               <a:rPr lang="zh-CN" altLang="en-US" smtClean="0"/>
-              <a:t>2019/5/26</a:t>
+              <a:t>2020/1/19</a:t>
             </a:fld>
             <a:endParaRPr lang="zh-CN" altLang="en-US"/>
           </a:p>
@@ -4152,7 +4152,7 @@
           <a:p>
             <a:fld id="{E396512D-F96B-4538-B91A-F7EB57A489A0}" type="datetimeFigureOut">
               <a:rPr lang="zh-CN" altLang="en-US" smtClean="0"/>
-              <a:t>2019/5/26</a:t>
+              <a:t>2020/1/19</a:t>
             </a:fld>
             <a:endParaRPr lang="zh-CN" altLang="en-US"/>
           </a:p>
@@ -4332,7 +4332,7 @@
           <a:p>
             <a:fld id="{E396512D-F96B-4538-B91A-F7EB57A489A0}" type="datetimeFigureOut">
               <a:rPr lang="zh-CN" altLang="en-US" smtClean="0"/>
-              <a:t>2019/5/26</a:t>
+              <a:t>2020/1/19</a:t>
             </a:fld>
             <a:endParaRPr lang="zh-CN" altLang="en-US"/>
           </a:p>
@@ -4502,7 +4502,7 @@
           <a:p>
             <a:fld id="{E396512D-F96B-4538-B91A-F7EB57A489A0}" type="datetimeFigureOut">
               <a:rPr lang="zh-CN" altLang="en-US" smtClean="0"/>
-              <a:t>2019/5/26</a:t>
+              <a:t>2020/1/19</a:t>
             </a:fld>
             <a:endParaRPr lang="zh-CN" altLang="en-US"/>
           </a:p>
@@ -4749,7 +4749,7 @@
           <a:p>
             <a:fld id="{E396512D-F96B-4538-B91A-F7EB57A489A0}" type="datetimeFigureOut">
               <a:rPr lang="zh-CN" altLang="en-US" smtClean="0"/>
-              <a:t>2019/5/26</a:t>
+              <a:t>2020/1/19</a:t>
             </a:fld>
             <a:endParaRPr lang="zh-CN" altLang="en-US"/>
           </a:p>
@@ -5041,7 +5041,7 @@
           <a:p>
             <a:fld id="{E396512D-F96B-4538-B91A-F7EB57A489A0}" type="datetimeFigureOut">
               <a:rPr lang="zh-CN" altLang="en-US" smtClean="0"/>
-              <a:t>2019/5/26</a:t>
+              <a:t>2020/1/19</a:t>
             </a:fld>
             <a:endParaRPr lang="zh-CN" altLang="en-US"/>
           </a:p>
@@ -5485,7 +5485,7 @@
           <a:p>
             <a:fld id="{E396512D-F96B-4538-B91A-F7EB57A489A0}" type="datetimeFigureOut">
               <a:rPr lang="zh-CN" altLang="en-US" smtClean="0"/>
-              <a:t>2019/5/26</a:t>
+              <a:t>2020/1/19</a:t>
             </a:fld>
             <a:endParaRPr lang="zh-CN" altLang="en-US"/>
           </a:p>
@@ -5603,7 +5603,7 @@
           <a:p>
             <a:fld id="{E396512D-F96B-4538-B91A-F7EB57A489A0}" type="datetimeFigureOut">
               <a:rPr lang="zh-CN" altLang="en-US" smtClean="0"/>
-              <a:t>2019/5/26</a:t>
+              <a:t>2020/1/19</a:t>
             </a:fld>
             <a:endParaRPr lang="zh-CN" altLang="en-US"/>
           </a:p>
@@ -5698,7 +5698,7 @@
           <a:p>
             <a:fld id="{E396512D-F96B-4538-B91A-F7EB57A489A0}" type="datetimeFigureOut">
               <a:rPr lang="zh-CN" altLang="en-US" smtClean="0"/>
-              <a:t>2019/5/26</a:t>
+              <a:t>2020/1/19</a:t>
             </a:fld>
             <a:endParaRPr lang="zh-CN" altLang="en-US"/>
           </a:p>
@@ -5977,7 +5977,7 @@
           <a:p>
             <a:fld id="{E396512D-F96B-4538-B91A-F7EB57A489A0}" type="datetimeFigureOut">
               <a:rPr lang="zh-CN" altLang="en-US" smtClean="0"/>
-              <a:t>2019/5/26</a:t>
+              <a:t>2020/1/19</a:t>
             </a:fld>
             <a:endParaRPr lang="zh-CN" altLang="en-US"/>
           </a:p>
@@ -6252,7 +6252,7 @@
           <a:p>
             <a:fld id="{E396512D-F96B-4538-B91A-F7EB57A489A0}" type="datetimeFigureOut">
               <a:rPr lang="zh-CN" altLang="en-US" smtClean="0"/>
-              <a:t>2019/5/26</a:t>
+              <a:t>2020/1/19</a:t>
             </a:fld>
             <a:endParaRPr lang="zh-CN" altLang="en-US"/>
           </a:p>
@@ -6681,7 +6681,7 @@
           <a:p>
             <a:fld id="{E396512D-F96B-4538-B91A-F7EB57A489A0}" type="datetimeFigureOut">
               <a:rPr lang="zh-CN" altLang="en-US" smtClean="0"/>
-              <a:t>2019/5/26</a:t>
+              <a:t>2020/1/19</a:t>
             </a:fld>
             <a:endParaRPr lang="zh-CN" altLang="en-US"/>
           </a:p>
@@ -9264,10 +9264,6 @@
               </a:rPr>
               <a:t>(15,20]</a:t>
             </a:r>
-            <a:endParaRPr lang="en-US" altLang="zh-CN" sz="1200" dirty="0" smtClean="0">
-              <a:latin typeface="微软雅黑" panose="020B0503020204020204" pitchFamily="34" charset="-122"/>
-              <a:ea typeface="微软雅黑" panose="020B0503020204020204" pitchFamily="34" charset="-122"/>
-            </a:endParaRPr>
           </a:p>
         </p:txBody>
       </p:sp>
@@ -10401,10 +10397,6 @@
               </a:rPr>
               <a:t>(20,25)</a:t>
             </a:r>
-            <a:endParaRPr lang="en-US" altLang="zh-CN" sz="1200" dirty="0" smtClean="0">
-              <a:latin typeface="微软雅黑" panose="020B0503020204020204" pitchFamily="34" charset="-122"/>
-              <a:ea typeface="微软雅黑" panose="020B0503020204020204" pitchFamily="34" charset="-122"/>
-            </a:endParaRPr>
           </a:p>
         </p:txBody>
       </p:sp>
@@ -11673,14 +11665,7 @@
                 <a:latin typeface="微软雅黑" panose="020B0503020204020204" pitchFamily="34" charset="-122"/>
                 <a:ea typeface="微软雅黑" panose="020B0503020204020204" pitchFamily="34" charset="-122"/>
               </a:rPr>
-              <a:t>，</a:t>
-            </a:r>
-            <a:r>
-              <a:rPr lang="zh-CN" altLang="en-US" sz="1200" dirty="0" smtClean="0">
-                <a:latin typeface="微软雅黑" panose="020B0503020204020204" pitchFamily="34" charset="-122"/>
-                <a:ea typeface="微软雅黑" panose="020B0503020204020204" pitchFamily="34" charset="-122"/>
-              </a:rPr>
-              <a:t>为了对</a:t>
+              <a:t>，为了对</a:t>
             </a:r>
             <a:r>
               <a:rPr lang="en-US" altLang="zh-CN" sz="1200" dirty="0" smtClean="0">
@@ -11694,14 +11679,7 @@
                 <a:latin typeface="微软雅黑" panose="020B0503020204020204" pitchFamily="34" charset="-122"/>
                 <a:ea typeface="微软雅黑" panose="020B0503020204020204" pitchFamily="34" charset="-122"/>
               </a:rPr>
-              <a:t>加锁，</a:t>
-            </a:r>
-            <a:r>
-              <a:rPr lang="zh-CN" altLang="en-US" sz="1200" dirty="0" smtClean="0">
-                <a:latin typeface="微软雅黑" panose="020B0503020204020204" pitchFamily="34" charset="-122"/>
-                <a:ea typeface="微软雅黑" panose="020B0503020204020204" pitchFamily="34" charset="-122"/>
-              </a:rPr>
-              <a:t>于是加上</a:t>
+              <a:t>加锁，于是加上</a:t>
             </a:r>
             <a:r>
               <a:rPr lang="en-US" altLang="zh-CN" sz="1200" dirty="0" smtClean="0">
@@ -11710,10 +11688,6 @@
               </a:rPr>
               <a:t>next key lock(5,10]</a:t>
             </a:r>
-            <a:endParaRPr lang="en-US" altLang="zh-CN" sz="1200" dirty="0" smtClean="0">
-              <a:latin typeface="微软雅黑" panose="020B0503020204020204" pitchFamily="34" charset="-122"/>
-              <a:ea typeface="微软雅黑" panose="020B0503020204020204" pitchFamily="34" charset="-122"/>
-            </a:endParaRPr>
           </a:p>
         </p:txBody>
       </p:sp>
@@ -13251,6 +13225,56 @@
           <a:lstStyle/>
           <a:p>
             <a:r>
+              <a:rPr lang="zh-CN" altLang="en-US" sz="1600" dirty="0" smtClean="0">
+                <a:solidFill>
+                  <a:srgbClr val="92D050"/>
+                </a:solidFill>
+                <a:latin typeface="微软雅黑" panose="020B0503020204020204" pitchFamily="34" charset="-122"/>
+                <a:ea typeface="微软雅黑" panose="020B0503020204020204" pitchFamily="34" charset="-122"/>
+              </a:rPr>
+              <a:t>原则</a:t>
+            </a:r>
+            <a:r>
+              <a:rPr lang="en-US" altLang="zh-CN" sz="1600" dirty="0" smtClean="0">
+                <a:solidFill>
+                  <a:srgbClr val="92D050"/>
+                </a:solidFill>
+                <a:latin typeface="微软雅黑" panose="020B0503020204020204" pitchFamily="34" charset="-122"/>
+                <a:ea typeface="微软雅黑" panose="020B0503020204020204" pitchFamily="34" charset="-122"/>
+              </a:rPr>
+              <a:t>1</a:t>
+            </a:r>
+            <a:r>
+              <a:rPr lang="zh-CN" altLang="en-US" sz="1600" dirty="0" smtClean="0">
+                <a:solidFill>
+                  <a:srgbClr val="92D050"/>
+                </a:solidFill>
+                <a:latin typeface="微软雅黑" panose="020B0503020204020204" pitchFamily="34" charset="-122"/>
+                <a:ea typeface="微软雅黑" panose="020B0503020204020204" pitchFamily="34" charset="-122"/>
+              </a:rPr>
+              <a:t>：加锁的基本单位是</a:t>
+            </a:r>
+            <a:r>
+              <a:rPr lang="en-US" altLang="zh-CN" sz="1600" smtClean="0">
+                <a:solidFill>
+                  <a:srgbClr val="92D050"/>
+                </a:solidFill>
+                <a:latin typeface="微软雅黑" panose="020B0503020204020204" pitchFamily="34" charset="-122"/>
+                <a:ea typeface="微软雅黑" panose="020B0503020204020204" pitchFamily="34" charset="-122"/>
+              </a:rPr>
+              <a:t>next-key </a:t>
+            </a:r>
+            <a:r>
+              <a:rPr lang="en-US" altLang="zh-CN" sz="1600" smtClean="0">
+                <a:solidFill>
+                  <a:srgbClr val="92D050"/>
+                </a:solidFill>
+                <a:latin typeface="微软雅黑" panose="020B0503020204020204" pitchFamily="34" charset="-122"/>
+                <a:ea typeface="微软雅黑" panose="020B0503020204020204" pitchFamily="34" charset="-122"/>
+              </a:rPr>
+              <a:t>lock</a:t>
+            </a:r>
+            <a:r>
               <a:rPr lang="zh-CN" altLang="en-US" sz="1600" smtClean="0">
                 <a:solidFill>
                   <a:srgbClr val="92D050"/>
@@ -13258,10 +13282,87 @@
                 <a:latin typeface="微软雅黑" panose="020B0503020204020204" pitchFamily="34" charset="-122"/>
                 <a:ea typeface="微软雅黑" panose="020B0503020204020204" pitchFamily="34" charset="-122"/>
               </a:rPr>
+              <a:t>，</a:t>
+            </a:r>
+            <a:r>
+              <a:rPr lang="zh-CN" altLang="en-US" sz="1600" smtClean="0">
+                <a:solidFill>
+                  <a:srgbClr val="92D050"/>
+                </a:solidFill>
+                <a:latin typeface="微软雅黑" panose="020B0503020204020204" pitchFamily="34" charset="-122"/>
+                <a:ea typeface="微软雅黑" panose="020B0503020204020204" pitchFamily="34" charset="-122"/>
+              </a:rPr>
+              <a:t>前开后闭区间。</a:t>
+            </a:r>
+            <a:endParaRPr lang="en-US" altLang="zh-CN" sz="1600" dirty="0" smtClean="0">
+              <a:solidFill>
+                <a:srgbClr val="92D050"/>
+              </a:solidFill>
+              <a:latin typeface="微软雅黑" panose="020B0503020204020204" pitchFamily="34" charset="-122"/>
+              <a:ea typeface="微软雅黑" panose="020B0503020204020204" pitchFamily="34" charset="-122"/>
+            </a:endParaRPr>
+          </a:p>
+          <a:p>
+            <a:r>
+              <a:rPr lang="zh-CN" altLang="en-US" sz="1600" dirty="0" smtClean="0">
+                <a:solidFill>
+                  <a:srgbClr val="92D050"/>
+                </a:solidFill>
+                <a:latin typeface="微软雅黑" panose="020B0503020204020204" pitchFamily="34" charset="-122"/>
+                <a:ea typeface="微软雅黑" panose="020B0503020204020204" pitchFamily="34" charset="-122"/>
+              </a:rPr>
               <a:t>原则</a:t>
             </a:r>
             <a:r>
-              <a:rPr lang="en-US" altLang="zh-CN" sz="1600" smtClean="0">
+              <a:rPr lang="en-US" altLang="zh-CN" sz="1600" dirty="0" smtClean="0">
+                <a:solidFill>
+                  <a:srgbClr val="92D050"/>
+                </a:solidFill>
+                <a:latin typeface="微软雅黑" panose="020B0503020204020204" pitchFamily="34" charset="-122"/>
+                <a:ea typeface="微软雅黑" panose="020B0503020204020204" pitchFamily="34" charset="-122"/>
+              </a:rPr>
+              <a:t>2</a:t>
+            </a:r>
+            <a:r>
+              <a:rPr lang="zh-CN" altLang="en-US" sz="1600" dirty="0" smtClean="0">
+                <a:solidFill>
+                  <a:srgbClr val="92D050"/>
+                </a:solidFill>
+                <a:latin typeface="微软雅黑" panose="020B0503020204020204" pitchFamily="34" charset="-122"/>
+                <a:ea typeface="微软雅黑" panose="020B0503020204020204" pitchFamily="34" charset="-122"/>
+              </a:rPr>
+              <a:t>：查找过程中访问到的对象才会加锁。</a:t>
+            </a:r>
+            <a:endParaRPr lang="en-US" altLang="zh-CN" sz="1600" dirty="0" smtClean="0">
+              <a:solidFill>
+                <a:srgbClr val="92D050"/>
+              </a:solidFill>
+              <a:latin typeface="微软雅黑" panose="020B0503020204020204" pitchFamily="34" charset="-122"/>
+              <a:ea typeface="微软雅黑" panose="020B0503020204020204" pitchFamily="34" charset="-122"/>
+            </a:endParaRPr>
+          </a:p>
+          <a:p>
+            <a:endParaRPr lang="en-US" altLang="zh-CN" sz="1600" dirty="0">
+              <a:solidFill>
+                <a:srgbClr val="92D050"/>
+              </a:solidFill>
+              <a:latin typeface="微软雅黑" panose="020B0503020204020204" pitchFamily="34" charset="-122"/>
+              <a:ea typeface="微软雅黑" panose="020B0503020204020204" pitchFamily="34" charset="-122"/>
+            </a:endParaRPr>
+          </a:p>
+          <a:p>
+            <a:r>
+              <a:rPr lang="zh-CN" altLang="en-US" sz="1600" dirty="0" smtClean="0">
+                <a:solidFill>
+                  <a:srgbClr val="92D050"/>
+                </a:solidFill>
+                <a:latin typeface="微软雅黑" panose="020B0503020204020204" pitchFamily="34" charset="-122"/>
+                <a:ea typeface="微软雅黑" panose="020B0503020204020204" pitchFamily="34" charset="-122"/>
+              </a:rPr>
+              <a:t>优化</a:t>
+            </a:r>
+            <a:r>
+              <a:rPr lang="en-US" altLang="zh-CN" sz="1600" dirty="0" smtClean="0">
                 <a:solidFill>
                   <a:srgbClr val="92D050"/>
                 </a:solidFill>
@@ -13271,36 +13372,36 @@
               <a:t>1</a:t>
             </a:r>
             <a:r>
-              <a:rPr lang="zh-CN" altLang="en-US" sz="1600" smtClean="0">
+              <a:rPr lang="zh-CN" altLang="en-US" sz="1600" dirty="0" smtClean="0">
                 <a:solidFill>
                   <a:srgbClr val="92D050"/>
                 </a:solidFill>
                 <a:latin typeface="微软雅黑" panose="020B0503020204020204" pitchFamily="34" charset="-122"/>
                 <a:ea typeface="微软雅黑" panose="020B0503020204020204" pitchFamily="34" charset="-122"/>
               </a:rPr>
-              <a:t>：加锁的基本单位是</a:t>
-            </a:r>
-            <a:r>
-              <a:rPr lang="en-US" altLang="zh-CN" sz="1600" smtClean="0">
+              <a:t>：索引上的等值查询，给唯一索引加锁的时候，</a:t>
+            </a:r>
+            <a:r>
+              <a:rPr lang="en-US" altLang="zh-CN" sz="1600" dirty="0" smtClean="0">
                 <a:solidFill>
                   <a:srgbClr val="92D050"/>
                 </a:solidFill>
                 <a:latin typeface="微软雅黑" panose="020B0503020204020204" pitchFamily="34" charset="-122"/>
                 <a:ea typeface="微软雅黑" panose="020B0503020204020204" pitchFamily="34" charset="-122"/>
               </a:rPr>
-              <a:t>next-key log</a:t>
-            </a:r>
-            <a:r>
-              <a:rPr lang="zh-CN" altLang="en-US" sz="1600" smtClean="0">
+              <a:t>next-key lock</a:t>
+            </a:r>
+            <a:r>
+              <a:rPr lang="zh-CN" altLang="en-US" sz="1600" dirty="0" smtClean="0">
                 <a:solidFill>
                   <a:srgbClr val="92D050"/>
                 </a:solidFill>
                 <a:latin typeface="微软雅黑" panose="020B0503020204020204" pitchFamily="34" charset="-122"/>
                 <a:ea typeface="微软雅黑" panose="020B0503020204020204" pitchFamily="34" charset="-122"/>
               </a:rPr>
-              <a:t>，前开后闭区间。</a:t>
-            </a:r>
-            <a:endParaRPr lang="en-US" altLang="zh-CN" sz="1600" smtClean="0">
+              <a:t>退化成行锁。</a:t>
+            </a:r>
+            <a:endParaRPr lang="en-US" altLang="zh-CN" sz="1600" dirty="0" smtClean="0">
               <a:solidFill>
                 <a:srgbClr val="92D050"/>
               </a:solidFill>
@@ -13310,17 +13411,17 @@
           </a:p>
           <a:p>
             <a:r>
-              <a:rPr lang="zh-CN" altLang="en-US" sz="1600" smtClean="0">
+              <a:rPr lang="zh-CN" altLang="en-US" sz="1600" dirty="0" smtClean="0">
                 <a:solidFill>
                   <a:srgbClr val="92D050"/>
                 </a:solidFill>
                 <a:latin typeface="微软雅黑" panose="020B0503020204020204" pitchFamily="34" charset="-122"/>
                 <a:ea typeface="微软雅黑" panose="020B0503020204020204" pitchFamily="34" charset="-122"/>
               </a:rPr>
-              <a:t>原则</a:t>
-            </a:r>
-            <a:r>
-              <a:rPr lang="en-US" altLang="zh-CN" sz="1600" smtClean="0">
+              <a:t>优化</a:t>
+            </a:r>
+            <a:r>
+              <a:rPr lang="en-US" altLang="zh-CN" sz="1600" dirty="0" smtClean="0">
                 <a:solidFill>
                   <a:srgbClr val="92D050"/>
                 </a:solidFill>
@@ -13330,65 +13431,17 @@
               <a:t>2</a:t>
             </a:r>
             <a:r>
-              <a:rPr lang="zh-CN" altLang="en-US" sz="1600" smtClean="0">
+              <a:rPr lang="zh-CN" altLang="en-US" sz="1600" dirty="0" smtClean="0">
                 <a:solidFill>
                   <a:srgbClr val="92D050"/>
                 </a:solidFill>
                 <a:latin typeface="微软雅黑" panose="020B0503020204020204" pitchFamily="34" charset="-122"/>
                 <a:ea typeface="微软雅黑" panose="020B0503020204020204" pitchFamily="34" charset="-122"/>
               </a:rPr>
-              <a:t>：查找过程中访问到的对象才会加锁。</a:t>
-            </a:r>
-            <a:endParaRPr lang="en-US" altLang="zh-CN" sz="1600" smtClean="0">
-              <a:solidFill>
-                <a:srgbClr val="92D050"/>
-              </a:solidFill>
-              <a:latin typeface="微软雅黑" panose="020B0503020204020204" pitchFamily="34" charset="-122"/>
-              <a:ea typeface="微软雅黑" panose="020B0503020204020204" pitchFamily="34" charset="-122"/>
-            </a:endParaRPr>
-          </a:p>
-          <a:p>
-            <a:endParaRPr lang="en-US" altLang="zh-CN" sz="1600">
-              <a:solidFill>
-                <a:srgbClr val="92D050"/>
-              </a:solidFill>
-              <a:latin typeface="微软雅黑" panose="020B0503020204020204" pitchFamily="34" charset="-122"/>
-              <a:ea typeface="微软雅黑" panose="020B0503020204020204" pitchFamily="34" charset="-122"/>
-            </a:endParaRPr>
-          </a:p>
-          <a:p>
-            <a:r>
-              <a:rPr lang="zh-CN" altLang="en-US" sz="1600" smtClean="0">
-                <a:solidFill>
-                  <a:srgbClr val="92D050"/>
-                </a:solidFill>
-                <a:latin typeface="微软雅黑" panose="020B0503020204020204" pitchFamily="34" charset="-122"/>
-                <a:ea typeface="微软雅黑" panose="020B0503020204020204" pitchFamily="34" charset="-122"/>
-              </a:rPr>
-              <a:t>优化</a:t>
-            </a:r>
-            <a:r>
-              <a:rPr lang="en-US" altLang="zh-CN" sz="1600" smtClean="0">
-                <a:solidFill>
-                  <a:srgbClr val="92D050"/>
-                </a:solidFill>
-                <a:latin typeface="微软雅黑" panose="020B0503020204020204" pitchFamily="34" charset="-122"/>
-                <a:ea typeface="微软雅黑" panose="020B0503020204020204" pitchFamily="34" charset="-122"/>
-              </a:rPr>
-              <a:t>1</a:t>
-            </a:r>
-            <a:r>
-              <a:rPr lang="zh-CN" altLang="en-US" sz="1600" smtClean="0">
-                <a:solidFill>
-                  <a:srgbClr val="92D050"/>
-                </a:solidFill>
-                <a:latin typeface="微软雅黑" panose="020B0503020204020204" pitchFamily="34" charset="-122"/>
-                <a:ea typeface="微软雅黑" panose="020B0503020204020204" pitchFamily="34" charset="-122"/>
-              </a:rPr>
-              <a:t>：索引上的等值查询，给唯一索引加锁的时候，</a:t>
-            </a:r>
-            <a:r>
-              <a:rPr lang="en-US" altLang="zh-CN" sz="1600" smtClean="0">
+              <a:t>：索引上的等值查询，向右遍历时且最后一个值不满足等值条件的时候，</a:t>
+            </a:r>
+            <a:r>
+              <a:rPr lang="en-US" altLang="zh-CN" sz="1600" dirty="0" smtClean="0">
                 <a:solidFill>
                   <a:srgbClr val="92D050"/>
                 </a:solidFill>
@@ -13398,66 +13451,7 @@
               <a:t>next-key lock</a:t>
             </a:r>
             <a:r>
-              <a:rPr lang="zh-CN" altLang="en-US" sz="1600" smtClean="0">
-                <a:solidFill>
-                  <a:srgbClr val="92D050"/>
-                </a:solidFill>
-                <a:latin typeface="微软雅黑" panose="020B0503020204020204" pitchFamily="34" charset="-122"/>
-                <a:ea typeface="微软雅黑" panose="020B0503020204020204" pitchFamily="34" charset="-122"/>
-              </a:rPr>
-              <a:t>退化成行锁。</a:t>
-            </a:r>
-            <a:endParaRPr lang="en-US" altLang="zh-CN" sz="1600" smtClean="0">
-              <a:solidFill>
-                <a:srgbClr val="92D050"/>
-              </a:solidFill>
-              <a:latin typeface="微软雅黑" panose="020B0503020204020204" pitchFamily="34" charset="-122"/>
-              <a:ea typeface="微软雅黑" panose="020B0503020204020204" pitchFamily="34" charset="-122"/>
-            </a:endParaRPr>
-          </a:p>
-          <a:p>
-            <a:r>
-              <a:rPr lang="zh-CN" altLang="en-US" sz="1600" smtClean="0">
-                <a:solidFill>
-                  <a:srgbClr val="92D050"/>
-                </a:solidFill>
-                <a:latin typeface="微软雅黑" panose="020B0503020204020204" pitchFamily="34" charset="-122"/>
-                <a:ea typeface="微软雅黑" panose="020B0503020204020204" pitchFamily="34" charset="-122"/>
-              </a:rPr>
-              <a:t>优化</a:t>
-            </a:r>
-            <a:r>
-              <a:rPr lang="en-US" altLang="zh-CN" sz="1600" smtClean="0">
-                <a:solidFill>
-                  <a:srgbClr val="92D050"/>
-                </a:solidFill>
-                <a:latin typeface="微软雅黑" panose="020B0503020204020204" pitchFamily="34" charset="-122"/>
-                <a:ea typeface="微软雅黑" panose="020B0503020204020204" pitchFamily="34" charset="-122"/>
-              </a:rPr>
-              <a:t>2</a:t>
-            </a:r>
-            <a:r>
-              <a:rPr lang="zh-CN" altLang="en-US" sz="1600" smtClean="0">
-                <a:solidFill>
-                  <a:srgbClr val="92D050"/>
-                </a:solidFill>
-                <a:latin typeface="微软雅黑" panose="020B0503020204020204" pitchFamily="34" charset="-122"/>
-                <a:ea typeface="微软雅黑" panose="020B0503020204020204" pitchFamily="34" charset="-122"/>
-              </a:rPr>
-              <a:t>：索引上的等值查询，向右遍历时且最后一个值不满足等值条件的时候，</a:t>
-            </a:r>
-            <a:r>
-              <a:rPr lang="en-US" altLang="zh-CN" sz="1600" smtClean="0">
-                <a:solidFill>
-                  <a:srgbClr val="92D050"/>
-                </a:solidFill>
-                <a:latin typeface="微软雅黑" panose="020B0503020204020204" pitchFamily="34" charset="-122"/>
-                <a:ea typeface="微软雅黑" panose="020B0503020204020204" pitchFamily="34" charset="-122"/>
-              </a:rPr>
-              <a:t>next-key lock</a:t>
-            </a:r>
-            <a:r>
-              <a:rPr lang="zh-CN" altLang="en-US" sz="1600" smtClean="0">
+              <a:rPr lang="zh-CN" altLang="en-US" sz="1600" dirty="0" smtClean="0">
                 <a:solidFill>
                   <a:srgbClr val="92D050"/>
                 </a:solidFill>
@@ -13466,7 +13460,7 @@
               </a:rPr>
               <a:t>退化成间隙锁。</a:t>
             </a:r>
-            <a:endParaRPr lang="en-US" altLang="zh-CN" sz="1600" smtClean="0">
+            <a:endParaRPr lang="en-US" altLang="zh-CN" sz="1600" dirty="0" smtClean="0">
               <a:solidFill>
                 <a:srgbClr val="92D050"/>
               </a:solidFill>
@@ -13475,7 +13469,7 @@
             </a:endParaRPr>
           </a:p>
           <a:p>
-            <a:endParaRPr lang="en-US" altLang="zh-CN" sz="1600">
+            <a:endParaRPr lang="en-US" altLang="zh-CN" sz="1600" dirty="0">
               <a:solidFill>
                 <a:srgbClr val="92D050"/>
               </a:solidFill>
@@ -13485,7 +13479,7 @@
           </a:p>
           <a:p>
             <a:r>
-              <a:rPr lang="en-US" altLang="zh-CN" sz="1600" smtClean="0">
+              <a:rPr lang="en-US" altLang="zh-CN" sz="1600" dirty="0" smtClean="0">
                 <a:solidFill>
                   <a:srgbClr val="92D050"/>
                 </a:solidFill>
@@ -13495,7 +13489,7 @@
               <a:t>Bug</a:t>
             </a:r>
             <a:r>
-              <a:rPr lang="zh-CN" altLang="en-US" sz="1600" smtClean="0">
+              <a:rPr lang="zh-CN" altLang="en-US" sz="1600" dirty="0" smtClean="0">
                 <a:solidFill>
                   <a:srgbClr val="92D050"/>
                 </a:solidFill>
@@ -13504,13 +13498,6 @@
               </a:rPr>
               <a:t>：唯一索引上的范围查询会访问到不满足条件的第一个值为止。</a:t>
             </a:r>
-            <a:endParaRPr lang="zh-CN" altLang="en-US" sz="1600" dirty="0" smtClean="0">
-              <a:solidFill>
-                <a:srgbClr val="92D050"/>
-              </a:solidFill>
-              <a:latin typeface="微软雅黑" panose="020B0503020204020204" pitchFamily="34" charset="-122"/>
-              <a:ea typeface="微软雅黑" panose="020B0503020204020204" pitchFamily="34" charset="-122"/>
-            </a:endParaRPr>
           </a:p>
         </p:txBody>
       </p:sp>
